--- a/ppt/day-6-java_26_7_2025.pptx
+++ b/ppt/day-6-java_26_7_2025.pptx
@@ -5,13 +5,16 @@
     <p:sldMasterId id="2147483648" r:id="rId1"/>
   </p:sldMasterIdLst>
   <p:notesMasterIdLst>
-    <p:notesMasterId r:id="rId6"/>
+    <p:notesMasterId r:id="rId9"/>
   </p:notesMasterIdLst>
   <p:sldIdLst>
     <p:sldId id="300" r:id="rId2"/>
     <p:sldId id="301" r:id="rId3"/>
     <p:sldId id="302" r:id="rId4"/>
-    <p:sldId id="299" r:id="rId5"/>
+    <p:sldId id="303" r:id="rId5"/>
+    <p:sldId id="304" r:id="rId6"/>
+    <p:sldId id="305" r:id="rId7"/>
+    <p:sldId id="299" r:id="rId8"/>
   </p:sldIdLst>
   <p:sldSz cx="12192000" cy="6858000"/>
   <p:notesSz cx="6858000" cy="9144000"/>
@@ -4545,7 +4548,7 @@
         <p:spPr>
           <a:xfrm>
             <a:off x="482600" y="245533"/>
-            <a:ext cx="11015133" cy="646331"/>
+            <a:ext cx="11015133" cy="5632311"/>
           </a:xfrm>
           <a:prstGeom prst="rect">
             <a:avLst/>
@@ -4564,13 +4567,93 @@
             </a:r>
             <a:r>
               <a:rPr lang="en-US" dirty="0"/>
-              <a:t>Exercise: Create two threads that run concurrently. </a:t>
-            </a:r>
-            <a:r>
-              <a:rPr lang="en-US"/>
-              <a:t>One thread prints numbers from 1 to 10, and the other thread prints alphabets from A to J.</a:t>
-            </a:r>
-            <a:endParaRPr lang="en-IN"/>
+              <a:t>Exercise: Create two threads that run concurrently. One thread prints numbers from 1 to 10, and the other thread prints alphabets from A to J.</a:t>
+            </a:r>
+          </a:p>
+          <a:p>
+            <a:endParaRPr lang="en-US" dirty="0"/>
+          </a:p>
+          <a:p>
+            <a:r>
+              <a:rPr lang="en-US" dirty="0"/>
+              <a:t>Ex2: Create a list of  names (string) . Create two threads using runnable –use lambda. One thread will capitalize the names that starts with vowel e.gi if the name is Amit  -&gt; output AMIT. Second thread will look for non vowel names and make the name in lowercase so if the name is Jayanta -&gt; </a:t>
+            </a:r>
+            <a:r>
+              <a:rPr lang="en-US" dirty="0" err="1"/>
+              <a:t>jayanta</a:t>
+            </a:r>
+            <a:r>
+              <a:rPr lang="en-US" dirty="0"/>
+              <a:t>. You have to change the </a:t>
+            </a:r>
+            <a:r>
+              <a:rPr lang="en-US" dirty="0" err="1"/>
+              <a:t>dat</a:t>
+            </a:r>
+            <a:r>
+              <a:rPr lang="en-US" dirty="0"/>
+              <a:t> </a:t>
+            </a:r>
+            <a:r>
+              <a:rPr lang="en-US" dirty="0" err="1"/>
+              <a:t>ain</a:t>
+            </a:r>
+            <a:r>
+              <a:rPr lang="en-US" dirty="0"/>
+              <a:t> the original list.</a:t>
+            </a:r>
+          </a:p>
+          <a:p>
+            <a:endParaRPr lang="en-US" dirty="0"/>
+          </a:p>
+          <a:p>
+            <a:r>
+              <a:rPr lang="en-US" dirty="0"/>
+              <a:t>Print the final list in the main function.</a:t>
+            </a:r>
+          </a:p>
+          <a:p>
+            <a:endParaRPr lang="en-US" dirty="0"/>
+          </a:p>
+          <a:p>
+            <a:r>
+              <a:rPr lang="en-US" dirty="0"/>
+              <a:t>Ex3: Create a class called Counter with a value called count. Initialize this value with 0.</a:t>
+            </a:r>
+          </a:p>
+          <a:p>
+            <a:r>
+              <a:rPr lang="en-US" dirty="0"/>
+              <a:t>Create a method called increment -&gt; each time this method is called it should increment the value of count.</a:t>
+            </a:r>
+          </a:p>
+          <a:p>
+            <a:endParaRPr lang="en-US" dirty="0"/>
+          </a:p>
+          <a:p>
+            <a:r>
+              <a:rPr lang="en-US" dirty="0"/>
+              <a:t>Create a Thread class that accepts a counter object through its constructor. In the run method call the counter object’s increment method 10 times after each call sleep for 1 second.</a:t>
+            </a:r>
+          </a:p>
+          <a:p>
+            <a:endParaRPr lang="en-US" dirty="0"/>
+          </a:p>
+          <a:p>
+            <a:r>
+              <a:rPr lang="en-US" dirty="0"/>
+              <a:t>In the main test class create a counter object . Now create two threads passing this counter object.</a:t>
+            </a:r>
+          </a:p>
+          <a:p>
+            <a:endParaRPr lang="en-US" dirty="0"/>
+          </a:p>
+          <a:p>
+            <a:r>
+              <a:rPr lang="en-US" dirty="0"/>
+              <a:t>At the end of the program print the count value. Ideal output should be 20. But if you run the program a few times you will notice sometimes the value is not 20. Implement thread safety with the synchronized keyword and verify that always the final output is 20.</a:t>
+            </a:r>
+            <a:endParaRPr lang="en-IN" dirty="0"/>
           </a:p>
         </p:txBody>
       </p:sp>
@@ -4592,6 +4675,183 @@
   <p:cSld>
     <p:spTree>
       <p:nvGrpSpPr>
+        <p:cNvPr id="1" name="">
+          <a:extLst>
+            <a:ext uri="{FF2B5EF4-FFF2-40B4-BE49-F238E27FC236}">
+              <a16:creationId xmlns:a16="http://schemas.microsoft.com/office/drawing/2014/main" id="{590EA9A3-CF67-48F9-E5EA-AA54142B90B7}"/>
+            </a:ext>
+          </a:extLst>
+        </p:cNvPr>
+        <p:cNvGrpSpPr/>
+        <p:nvPr/>
+      </p:nvGrpSpPr>
+      <p:grpSpPr>
+        <a:xfrm>
+          <a:off x="0" y="0"/>
+          <a:ext cx="0" cy="0"/>
+          <a:chOff x="0" y="0"/>
+          <a:chExt cx="0" cy="0"/>
+        </a:xfrm>
+      </p:grpSpPr>
+      <p:sp>
+        <p:nvSpPr>
+          <p:cNvPr id="2" name="TextBox 1">
+            <a:extLst>
+              <a:ext uri="{FF2B5EF4-FFF2-40B4-BE49-F238E27FC236}">
+                <a16:creationId xmlns:a16="http://schemas.microsoft.com/office/drawing/2014/main" id="{89AE8061-9AA5-6452-9EB3-2D7F1BF5CD06}"/>
+              </a:ext>
+            </a:extLst>
+          </p:cNvPr>
+          <p:cNvSpPr txBox="1"/>
+          <p:nvPr/>
+        </p:nvSpPr>
+        <p:spPr>
+          <a:xfrm>
+            <a:off x="482600" y="245533"/>
+            <a:ext cx="11015133" cy="4524315"/>
+          </a:xfrm>
+          <a:prstGeom prst="rect">
+            <a:avLst/>
+          </a:prstGeom>
+          <a:noFill/>
+        </p:spPr>
+        <p:txBody>
+          <a:bodyPr wrap="square" rtlCol="0">
+            <a:spAutoFit/>
+          </a:bodyPr>
+          <a:lstStyle/>
+          <a:p>
+            <a:r>
+              <a:rPr lang="en-IN" dirty="0"/>
+              <a:t>Ex4: </a:t>
+            </a:r>
+            <a:r>
+              <a:rPr lang="en-US" dirty="0"/>
+              <a:t>Create a Java program that uses </a:t>
+            </a:r>
+            <a:r>
+              <a:rPr lang="en-US" dirty="0" err="1"/>
+              <a:t>ExecutorService</a:t>
+            </a:r>
+            <a:r>
+              <a:rPr lang="en-US" dirty="0"/>
+              <a:t> to execute 5 tasks concurrently. Each task should print numbers from 1 to 10 with a 1-second delay between each print.</a:t>
+            </a:r>
+          </a:p>
+          <a:p>
+            <a:endParaRPr lang="en-US" dirty="0"/>
+          </a:p>
+          <a:p>
+            <a:r>
+              <a:rPr lang="en-US" dirty="0"/>
+              <a:t>Ex5:Using  </a:t>
+            </a:r>
+            <a:r>
+              <a:rPr lang="en-US" dirty="0" err="1"/>
+              <a:t>FileInputStream</a:t>
+            </a:r>
+            <a:r>
+              <a:rPr lang="en-US" dirty="0"/>
+              <a:t> and </a:t>
+            </a:r>
+            <a:r>
+              <a:rPr lang="en-US" dirty="0" err="1"/>
+              <a:t>FileOutputStream</a:t>
+            </a:r>
+            <a:r>
+              <a:rPr lang="en-US" dirty="0"/>
+              <a:t>  make a copy of an image file.</a:t>
+            </a:r>
+          </a:p>
+          <a:p>
+            <a:endParaRPr lang="en-US" dirty="0"/>
+          </a:p>
+          <a:p>
+            <a:r>
+              <a:rPr lang="en-US" dirty="0"/>
+              <a:t>Ex6: Implement Digital payment for </a:t>
+            </a:r>
+            <a:r>
+              <a:rPr lang="en-US" dirty="0" err="1"/>
+              <a:t>GooglePay</a:t>
+            </a:r>
+            <a:r>
+              <a:rPr lang="en-US" dirty="0"/>
+              <a:t> , </a:t>
+            </a:r>
+            <a:r>
+              <a:rPr lang="en-US" dirty="0" err="1"/>
+              <a:t>PhonePay</a:t>
+            </a:r>
+            <a:r>
+              <a:rPr lang="en-US" dirty="0"/>
+              <a:t> and Paytm applying the dependency inversion principle.</a:t>
+            </a:r>
+          </a:p>
+          <a:p>
+            <a:endParaRPr lang="en-US" dirty="0"/>
+          </a:p>
+          <a:p>
+            <a:r>
+              <a:rPr lang="en-US" dirty="0"/>
+              <a:t>Ex7: Create a Junit Test case to check if a String is in uppercase or not.</a:t>
+            </a:r>
+          </a:p>
+          <a:p>
+            <a:endParaRPr lang="en-US" dirty="0"/>
+          </a:p>
+          <a:p>
+            <a:r>
+              <a:rPr lang="en-US" dirty="0"/>
+              <a:t>Ex8: Create a testcase to check that while trying to make uppercase of  a null string will throw null pointer exception.</a:t>
+            </a:r>
+          </a:p>
+          <a:p>
+            <a:endParaRPr lang="en-US" dirty="0"/>
+          </a:p>
+          <a:p>
+            <a:r>
+              <a:rPr lang="en-US" dirty="0"/>
+              <a:t>Ex9: Create a parameterized test to find out if all Strings are in lower case or not.</a:t>
+            </a:r>
+          </a:p>
+          <a:p>
+            <a:endParaRPr lang="en-US" dirty="0"/>
+          </a:p>
+          <a:p>
+            <a:r>
+              <a:rPr lang="en-US" dirty="0"/>
+              <a:t>Ex10: Create a test suite and include all test cases in that test suite </a:t>
+            </a:r>
+            <a:r>
+              <a:rPr lang="en-US"/>
+              <a:t>by using @SelectPackages.</a:t>
+            </a:r>
+            <a:endParaRPr lang="en-US" dirty="0"/>
+          </a:p>
+          <a:p>
+            <a:endParaRPr lang="en-IN" dirty="0"/>
+          </a:p>
+        </p:txBody>
+      </p:sp>
+    </p:spTree>
+    <p:extLst>
+      <p:ext uri="{BB962C8B-B14F-4D97-AF65-F5344CB8AC3E}">
+        <p14:creationId xmlns:p14="http://schemas.microsoft.com/office/powerpoint/2010/main" val="4178686730"/>
+      </p:ext>
+    </p:extLst>
+  </p:cSld>
+  <p:clrMapOvr>
+    <a:masterClrMapping/>
+  </p:clrMapOvr>
+</p:sld>
+</file>
+
+<file path=ppt/slides/slide5.xml><?xml version="1.0" encoding="utf-8"?>
+<p:sld xmlns:a="http://schemas.openxmlformats.org/drawingml/2006/main" xmlns:r="http://schemas.openxmlformats.org/officeDocument/2006/relationships" xmlns:p="http://schemas.openxmlformats.org/presentationml/2006/main">
+  <p:cSld>
+    <p:spTree>
+      <p:nvGrpSpPr>
         <p:cNvPr id="1" name=""/>
         <p:cNvGrpSpPr/>
         <p:nvPr/>
@@ -4609,6 +4869,208 @@
           <p:cNvPr id="2" name="TextBox 1">
             <a:extLst>
               <a:ext uri="{FF2B5EF4-FFF2-40B4-BE49-F238E27FC236}">
+                <a16:creationId xmlns:a16="http://schemas.microsoft.com/office/drawing/2014/main" id="{0B7C4303-B844-2408-B5D6-5692E05C1E21}"/>
+              </a:ext>
+            </a:extLst>
+          </p:cNvPr>
+          <p:cNvSpPr txBox="1"/>
+          <p:nvPr/>
+        </p:nvSpPr>
+        <p:spPr>
+          <a:xfrm>
+            <a:off x="177800" y="685799"/>
+            <a:ext cx="12801600" cy="3970318"/>
+          </a:xfrm>
+          <a:prstGeom prst="rect">
+            <a:avLst/>
+          </a:prstGeom>
+          <a:noFill/>
+        </p:spPr>
+        <p:txBody>
+          <a:bodyPr wrap="square" rtlCol="0">
+            <a:spAutoFit/>
+          </a:bodyPr>
+          <a:lstStyle/>
+          <a:p>
+            <a:r>
+              <a:rPr lang="en-IN" sz="2800" dirty="0"/>
+              <a:t>S -&gt; SINGLE RESPONSIBILITY</a:t>
+            </a:r>
+          </a:p>
+          <a:p>
+            <a:endParaRPr lang="en-IN" sz="2800" dirty="0"/>
+          </a:p>
+          <a:p>
+            <a:r>
+              <a:rPr lang="en-IN" sz="2800" dirty="0"/>
+              <a:t>O-&gt;OPEN FOR EXTENSION CLOSED FOR MODIFICATION</a:t>
+            </a:r>
+          </a:p>
+          <a:p>
+            <a:endParaRPr lang="en-IN" sz="2800" dirty="0"/>
+          </a:p>
+          <a:p>
+            <a:r>
+              <a:rPr lang="en-IN" sz="2800" dirty="0"/>
+              <a:t>L-&gt; LISCOV’S SUBSTITUTION</a:t>
+            </a:r>
+          </a:p>
+          <a:p>
+            <a:endParaRPr lang="en-IN" sz="2800" dirty="0"/>
+          </a:p>
+          <a:p>
+            <a:r>
+              <a:rPr lang="en-IN" sz="2800" dirty="0"/>
+              <a:t>I-&gt;  INTERFACE SEGREGATION</a:t>
+            </a:r>
+          </a:p>
+          <a:p>
+            <a:endParaRPr lang="en-IN" sz="2800" dirty="0"/>
+          </a:p>
+          <a:p>
+            <a:r>
+              <a:rPr lang="en-IN" sz="2800" dirty="0"/>
+              <a:t>D-&gt; DEPENDENCY INVERSION</a:t>
+            </a:r>
+          </a:p>
+        </p:txBody>
+      </p:sp>
+    </p:spTree>
+    <p:extLst>
+      <p:ext uri="{BB962C8B-B14F-4D97-AF65-F5344CB8AC3E}">
+        <p14:creationId xmlns:p14="http://schemas.microsoft.com/office/powerpoint/2010/main" val="762278022"/>
+      </p:ext>
+    </p:extLst>
+  </p:cSld>
+  <p:clrMapOvr>
+    <a:masterClrMapping/>
+  </p:clrMapOvr>
+</p:sld>
+</file>
+
+<file path=ppt/slides/slide6.xml><?xml version="1.0" encoding="utf-8"?>
+<p:sld xmlns:a="http://schemas.openxmlformats.org/drawingml/2006/main" xmlns:r="http://schemas.openxmlformats.org/officeDocument/2006/relationships" xmlns:p="http://schemas.openxmlformats.org/presentationml/2006/main">
+  <p:cSld>
+    <p:spTree>
+      <p:nvGrpSpPr>
+        <p:cNvPr id="1" name=""/>
+        <p:cNvGrpSpPr/>
+        <p:nvPr/>
+      </p:nvGrpSpPr>
+      <p:grpSpPr>
+        <a:xfrm>
+          <a:off x="0" y="0"/>
+          <a:ext cx="0" cy="0"/>
+          <a:chOff x="0" y="0"/>
+          <a:chExt cx="0" cy="0"/>
+        </a:xfrm>
+      </p:grpSpPr>
+      <p:sp>
+        <p:nvSpPr>
+          <p:cNvPr id="2" name="TextBox 1">
+            <a:extLst>
+              <a:ext uri="{FF2B5EF4-FFF2-40B4-BE49-F238E27FC236}">
+                <a16:creationId xmlns:a16="http://schemas.microsoft.com/office/drawing/2014/main" id="{B36F4C7A-0267-8BB5-73FC-9FE18426FA5E}"/>
+              </a:ext>
+            </a:extLst>
+          </p:cNvPr>
+          <p:cNvSpPr txBox="1"/>
+          <p:nvPr/>
+        </p:nvSpPr>
+        <p:spPr>
+          <a:xfrm>
+            <a:off x="1346200" y="457200"/>
+            <a:ext cx="8678333" cy="2862322"/>
+          </a:xfrm>
+          <a:prstGeom prst="rect">
+            <a:avLst/>
+          </a:prstGeom>
+          <a:noFill/>
+        </p:spPr>
+        <p:txBody>
+          <a:bodyPr wrap="square" rtlCol="0">
+            <a:spAutoFit/>
+          </a:bodyPr>
+          <a:lstStyle/>
+          <a:p>
+            <a:r>
+              <a:rPr lang="en-IN" dirty="0"/>
+              <a:t>Expected Result</a:t>
+            </a:r>
+          </a:p>
+          <a:p>
+            <a:endParaRPr lang="en-IN" dirty="0"/>
+          </a:p>
+          <a:p>
+            <a:r>
+              <a:rPr lang="en-IN" dirty="0"/>
+              <a:t>Actual Result</a:t>
+            </a:r>
+          </a:p>
+          <a:p>
+            <a:endParaRPr lang="en-IN" dirty="0"/>
+          </a:p>
+          <a:p>
+            <a:endParaRPr lang="en-IN" dirty="0"/>
+          </a:p>
+          <a:p>
+            <a:r>
+              <a:rPr lang="en-IN" dirty="0"/>
+              <a:t>If Expected Result= Actual Result -&gt; Test passes / Testing is successful</a:t>
+            </a:r>
+          </a:p>
+          <a:p>
+            <a:endParaRPr lang="en-IN" dirty="0"/>
+          </a:p>
+          <a:p>
+            <a:r>
+              <a:rPr lang="en-IN" dirty="0"/>
+              <a:t>If Expected Result!= Actual Result -&gt; Test fails / Testing is unsuccessful</a:t>
+            </a:r>
+          </a:p>
+          <a:p>
+            <a:endParaRPr lang="en-IN" dirty="0"/>
+          </a:p>
+          <a:p>
+            <a:endParaRPr lang="en-IN" dirty="0"/>
+          </a:p>
+        </p:txBody>
+      </p:sp>
+    </p:spTree>
+    <p:extLst>
+      <p:ext uri="{BB962C8B-B14F-4D97-AF65-F5344CB8AC3E}">
+        <p14:creationId xmlns:p14="http://schemas.microsoft.com/office/powerpoint/2010/main" val="66030611"/>
+      </p:ext>
+    </p:extLst>
+  </p:cSld>
+  <p:clrMapOvr>
+    <a:masterClrMapping/>
+  </p:clrMapOvr>
+</p:sld>
+</file>
+
+<file path=ppt/slides/slide7.xml><?xml version="1.0" encoding="utf-8"?>
+<p:sld xmlns:a="http://schemas.openxmlformats.org/drawingml/2006/main" xmlns:r="http://schemas.openxmlformats.org/officeDocument/2006/relationships" xmlns:p="http://schemas.openxmlformats.org/presentationml/2006/main">
+  <p:cSld>
+    <p:spTree>
+      <p:nvGrpSpPr>
+        <p:cNvPr id="1" name=""/>
+        <p:cNvGrpSpPr/>
+        <p:nvPr/>
+      </p:nvGrpSpPr>
+      <p:grpSpPr>
+        <a:xfrm>
+          <a:off x="0" y="0"/>
+          <a:ext cx="0" cy="0"/>
+          <a:chOff x="0" y="0"/>
+          <a:chExt cx="0" cy="0"/>
+        </a:xfrm>
+      </p:grpSpPr>
+      <p:sp>
+        <p:nvSpPr>
+          <p:cNvPr id="2" name="TextBox 1">
+            <a:extLst>
+              <a:ext uri="{FF2B5EF4-FFF2-40B4-BE49-F238E27FC236}">
                 <a16:creationId xmlns:a16="http://schemas.microsoft.com/office/drawing/2014/main" id="{7AAEFB84-7091-52DF-BED9-084229C51D4F}"/>
               </a:ext>
             </a:extLst>
@@ -4635,7 +5097,7 @@
             <a:pPr algn="ctr"/>
             <a:r>
               <a:rPr lang="en-IN" sz="3600" dirty="0"/>
-              <a:t>BREAK UPTO 14:50 PM</a:t>
+              <a:t>BREAK UPTO 15:50 PM</a:t>
             </a:r>
           </a:p>
         </p:txBody>
